--- a/figures/_figures-handmade.pptx
+++ b/figures/_figures-handmade.pptx
@@ -6,6 +6,9 @@
   </p:sldMasterIdLst>
   <p:sldIdLst>
     <p:sldId id="256" r:id="rId2"/>
+    <p:sldId id="257" r:id="rId3"/>
+    <p:sldId id="258" r:id="rId4"/>
+    <p:sldId id="259" r:id="rId5"/>
   </p:sldIdLst>
   <p:sldSz cx="12192000" cy="6858000"/>
   <p:notesSz cx="6858000" cy="9144000"/>
@@ -4270,6 +4273,1079 @@
 </p:sld>
 </file>
 
+<file path=ppt/slides/slide2.xml><?xml version="1.0" encoding="utf-8"?>
+<p:sld xmlns:a="http://schemas.openxmlformats.org/drawingml/2006/main" xmlns:r="http://schemas.openxmlformats.org/officeDocument/2006/relationships" xmlns:p="http://schemas.openxmlformats.org/presentationml/2006/main">
+  <p:cSld>
+    <p:spTree>
+      <p:nvGrpSpPr>
+        <p:cNvPr id="1" name=""/>
+        <p:cNvGrpSpPr/>
+        <p:nvPr/>
+      </p:nvGrpSpPr>
+      <p:grpSpPr>
+        <a:xfrm>
+          <a:off x="0" y="0"/>
+          <a:ext cx="0" cy="0"/>
+          <a:chOff x="0" y="0"/>
+          <a:chExt cx="0" cy="0"/>
+        </a:xfrm>
+      </p:grpSpPr>
+      <p:sp>
+        <p:nvSpPr>
+          <p:cNvPr id="2" name="Rounded Rectangle 1">
+            <a:extLst>
+              <a:ext uri="{FF2B5EF4-FFF2-40B4-BE49-F238E27FC236}">
+                <a16:creationId xmlns:a16="http://schemas.microsoft.com/office/drawing/2014/main" id="{D1F4D5A5-94DC-6EEC-C3B2-38AF4DD2AD49}"/>
+              </a:ext>
+            </a:extLst>
+          </p:cNvPr>
+          <p:cNvSpPr/>
+          <p:nvPr/>
+        </p:nvSpPr>
+        <p:spPr>
+          <a:xfrm>
+            <a:off x="2721935" y="1467293"/>
+            <a:ext cx="1828800" cy="1180214"/>
+          </a:xfrm>
+          <a:prstGeom prst="roundRect">
+            <a:avLst/>
+          </a:prstGeom>
+        </p:spPr>
+        <p:style>
+          <a:lnRef idx="2">
+            <a:schemeClr val="accent1">
+              <a:shade val="15000"/>
+            </a:schemeClr>
+          </a:lnRef>
+          <a:fillRef idx="1">
+            <a:schemeClr val="accent1"/>
+          </a:fillRef>
+          <a:effectRef idx="0">
+            <a:schemeClr val="accent1"/>
+          </a:effectRef>
+          <a:fontRef idx="minor">
+            <a:schemeClr val="lt1"/>
+          </a:fontRef>
+        </p:style>
+        <p:txBody>
+          <a:bodyPr rtlCol="0" anchor="ctr"/>
+          <a:lstStyle/>
+          <a:p>
+            <a:pPr algn="ctr"/>
+            <a:r>
+              <a:rPr lang="en-GB" dirty="0"/>
+              <a:t>Function</a:t>
+            </a:r>
+          </a:p>
+          <a:p>
+            <a:pPr algn="ctr"/>
+            <a:r>
+              <a:rPr lang="en-GB" dirty="0" err="1"/>
+              <a:t>calc_avg</a:t>
+            </a:r>
+            <a:r>
+              <a:rPr lang="en-GB" dirty="0"/>
+              <a:t>()</a:t>
+            </a:r>
+          </a:p>
+        </p:txBody>
+      </p:sp>
+      <p:sp>
+        <p:nvSpPr>
+          <p:cNvPr id="3" name="Right Arrow 2">
+            <a:extLst>
+              <a:ext uri="{FF2B5EF4-FFF2-40B4-BE49-F238E27FC236}">
+                <a16:creationId xmlns:a16="http://schemas.microsoft.com/office/drawing/2014/main" id="{ED84B17C-C2DA-7BE9-0C50-3E9942ADA6A6}"/>
+              </a:ext>
+            </a:extLst>
+          </p:cNvPr>
+          <p:cNvSpPr/>
+          <p:nvPr/>
+        </p:nvSpPr>
+        <p:spPr>
+          <a:xfrm>
+            <a:off x="1552353" y="1860698"/>
+            <a:ext cx="1169582" cy="340242"/>
+          </a:xfrm>
+          <a:prstGeom prst="rightArrow">
+            <a:avLst/>
+          </a:prstGeom>
+        </p:spPr>
+        <p:style>
+          <a:lnRef idx="2">
+            <a:schemeClr val="accent1">
+              <a:shade val="15000"/>
+            </a:schemeClr>
+          </a:lnRef>
+          <a:fillRef idx="1">
+            <a:schemeClr val="accent1"/>
+          </a:fillRef>
+          <a:effectRef idx="0">
+            <a:schemeClr val="accent1"/>
+          </a:effectRef>
+          <a:fontRef idx="minor">
+            <a:schemeClr val="lt1"/>
+          </a:fontRef>
+        </p:style>
+        <p:txBody>
+          <a:bodyPr rtlCol="0" anchor="ctr"/>
+          <a:lstStyle/>
+          <a:p>
+            <a:pPr algn="ctr"/>
+            <a:endParaRPr lang="en-GB"/>
+          </a:p>
+        </p:txBody>
+      </p:sp>
+      <p:sp>
+        <p:nvSpPr>
+          <p:cNvPr id="4" name="Right Arrow 3">
+            <a:extLst>
+              <a:ext uri="{FF2B5EF4-FFF2-40B4-BE49-F238E27FC236}">
+                <a16:creationId xmlns:a16="http://schemas.microsoft.com/office/drawing/2014/main" id="{D495EDBF-B180-00B4-3382-5AB27F9F1338}"/>
+              </a:ext>
+            </a:extLst>
+          </p:cNvPr>
+          <p:cNvSpPr/>
+          <p:nvPr/>
+        </p:nvSpPr>
+        <p:spPr>
+          <a:xfrm>
+            <a:off x="4550735" y="1860698"/>
+            <a:ext cx="1169582" cy="340242"/>
+          </a:xfrm>
+          <a:prstGeom prst="rightArrow">
+            <a:avLst/>
+          </a:prstGeom>
+        </p:spPr>
+        <p:style>
+          <a:lnRef idx="2">
+            <a:schemeClr val="accent1">
+              <a:shade val="15000"/>
+            </a:schemeClr>
+          </a:lnRef>
+          <a:fillRef idx="1">
+            <a:schemeClr val="accent1"/>
+          </a:fillRef>
+          <a:effectRef idx="0">
+            <a:schemeClr val="accent1"/>
+          </a:effectRef>
+          <a:fontRef idx="minor">
+            <a:schemeClr val="lt1"/>
+          </a:fontRef>
+        </p:style>
+        <p:txBody>
+          <a:bodyPr rtlCol="0" anchor="ctr"/>
+          <a:lstStyle/>
+          <a:p>
+            <a:pPr algn="ctr"/>
+            <a:endParaRPr lang="en-GB"/>
+          </a:p>
+        </p:txBody>
+      </p:sp>
+      <p:sp>
+        <p:nvSpPr>
+          <p:cNvPr id="5" name="TextBox 4">
+            <a:extLst>
+              <a:ext uri="{FF2B5EF4-FFF2-40B4-BE49-F238E27FC236}">
+                <a16:creationId xmlns:a16="http://schemas.microsoft.com/office/drawing/2014/main" id="{AD9605F3-A894-1A73-40F7-563709931EE5}"/>
+              </a:ext>
+            </a:extLst>
+          </p:cNvPr>
+          <p:cNvSpPr txBox="1"/>
+          <p:nvPr/>
+        </p:nvSpPr>
+        <p:spPr>
+          <a:xfrm>
+            <a:off x="1552353" y="1467293"/>
+            <a:ext cx="776177" cy="369332"/>
+          </a:xfrm>
+          <a:prstGeom prst="rect">
+            <a:avLst/>
+          </a:prstGeom>
+          <a:noFill/>
+        </p:spPr>
+        <p:txBody>
+          <a:bodyPr wrap="square" rtlCol="0">
+            <a:spAutoFit/>
+          </a:bodyPr>
+          <a:lstStyle/>
+          <a:p>
+            <a:r>
+              <a:rPr lang="en-GB" dirty="0"/>
+              <a:t>input</a:t>
+            </a:r>
+          </a:p>
+        </p:txBody>
+      </p:sp>
+      <p:sp>
+        <p:nvSpPr>
+          <p:cNvPr id="6" name="TextBox 5">
+            <a:extLst>
+              <a:ext uri="{FF2B5EF4-FFF2-40B4-BE49-F238E27FC236}">
+                <a16:creationId xmlns:a16="http://schemas.microsoft.com/office/drawing/2014/main" id="{F8CEA429-7435-C714-888D-060493DB7313}"/>
+              </a:ext>
+            </a:extLst>
+          </p:cNvPr>
+          <p:cNvSpPr txBox="1"/>
+          <p:nvPr/>
+        </p:nvSpPr>
+        <p:spPr>
+          <a:xfrm>
+            <a:off x="4646428" y="1548441"/>
+            <a:ext cx="898451" cy="369332"/>
+          </a:xfrm>
+          <a:prstGeom prst="rect">
+            <a:avLst/>
+          </a:prstGeom>
+          <a:noFill/>
+        </p:spPr>
+        <p:txBody>
+          <a:bodyPr wrap="square" rtlCol="0">
+            <a:spAutoFit/>
+          </a:bodyPr>
+          <a:lstStyle/>
+          <a:p>
+            <a:r>
+              <a:rPr lang="en-GB" dirty="0"/>
+              <a:t>output</a:t>
+            </a:r>
+          </a:p>
+        </p:txBody>
+      </p:sp>
+      <p:sp>
+        <p:nvSpPr>
+          <p:cNvPr id="7" name="TextBox 6">
+            <a:extLst>
+              <a:ext uri="{FF2B5EF4-FFF2-40B4-BE49-F238E27FC236}">
+                <a16:creationId xmlns:a16="http://schemas.microsoft.com/office/drawing/2014/main" id="{50DD1998-B17F-8E15-A2B5-9A8A3F47FA13}"/>
+              </a:ext>
+            </a:extLst>
+          </p:cNvPr>
+          <p:cNvSpPr txBox="1"/>
+          <p:nvPr/>
+        </p:nvSpPr>
+        <p:spPr>
+          <a:xfrm>
+            <a:off x="1807535" y="3056861"/>
+            <a:ext cx="3157870" cy="1477328"/>
+          </a:xfrm>
+          <a:prstGeom prst="rect">
+            <a:avLst/>
+          </a:prstGeom>
+          <a:noFill/>
+        </p:spPr>
+        <p:txBody>
+          <a:bodyPr wrap="square" rtlCol="0">
+            <a:spAutoFit/>
+          </a:bodyPr>
+          <a:lstStyle/>
+          <a:p>
+            <a:r>
+              <a:rPr lang="en-GB" dirty="0"/>
+              <a:t>Generalisation</a:t>
+            </a:r>
+          </a:p>
+          <a:p>
+            <a:pPr marL="285750" indent="-285750">
+              <a:buFontTx/>
+              <a:buChar char="-"/>
+            </a:pPr>
+            <a:r>
+              <a:rPr lang="en-GB" dirty="0"/>
+              <a:t>Use function as often as possible</a:t>
+            </a:r>
+          </a:p>
+          <a:p>
+            <a:pPr marL="285750" indent="-285750">
+              <a:buFontTx/>
+              <a:buChar char="-"/>
+            </a:pPr>
+            <a:r>
+              <a:rPr lang="en-GB" dirty="0"/>
+              <a:t>Reduce number of functions</a:t>
+            </a:r>
+          </a:p>
+        </p:txBody>
+      </p:sp>
+      <p:sp>
+        <p:nvSpPr>
+          <p:cNvPr id="8" name="TextBox 7">
+            <a:extLst>
+              <a:ext uri="{FF2B5EF4-FFF2-40B4-BE49-F238E27FC236}">
+                <a16:creationId xmlns:a16="http://schemas.microsoft.com/office/drawing/2014/main" id="{DC4D3351-29B5-14F0-FD1B-F649C69EE5BA}"/>
+              </a:ext>
+            </a:extLst>
+          </p:cNvPr>
+          <p:cNvSpPr txBox="1"/>
+          <p:nvPr/>
+        </p:nvSpPr>
+        <p:spPr>
+          <a:xfrm>
+            <a:off x="6096000" y="933202"/>
+            <a:ext cx="5837273" cy="4247317"/>
+          </a:xfrm>
+          <a:prstGeom prst="rect">
+            <a:avLst/>
+          </a:prstGeom>
+          <a:noFill/>
+        </p:spPr>
+        <p:txBody>
+          <a:bodyPr wrap="square" rtlCol="0">
+            <a:spAutoFit/>
+          </a:bodyPr>
+          <a:lstStyle/>
+          <a:p>
+            <a:r>
+              <a:rPr lang="en-GB" dirty="0">
+                <a:sym typeface="Wingdings" pitchFamily="2" charset="2"/>
+              </a:rPr>
+              <a:t></a:t>
+            </a:r>
+            <a:r>
+              <a:rPr lang="en-GB" dirty="0"/>
+              <a:t>“average of flight per year”</a:t>
+            </a:r>
+          </a:p>
+          <a:p>
+            <a:r>
+              <a:rPr lang="en-GB" dirty="0"/>
+              <a:t>ds |&gt; </a:t>
+            </a:r>
+            <a:r>
+              <a:rPr lang="en-GB" dirty="0" err="1"/>
+              <a:t>group_by</a:t>
+            </a:r>
+            <a:r>
+              <a:rPr lang="en-GB" dirty="0"/>
+              <a:t>(YEAR) |&gt; mean(FLIGHTS)</a:t>
+            </a:r>
+            <a:br>
+              <a:rPr lang="en-GB" dirty="0"/>
+            </a:br>
+            <a:r>
+              <a:rPr lang="en-GB" dirty="0"/>
+              <a:t>ds |&gt; </a:t>
+            </a:r>
+            <a:r>
+              <a:rPr lang="en-GB" dirty="0" err="1"/>
+              <a:t>calc_avg</a:t>
+            </a:r>
+            <a:r>
+              <a:rPr lang="en-GB" dirty="0"/>
+              <a:t>()</a:t>
+            </a:r>
+          </a:p>
+          <a:p>
+            <a:pPr marL="285750" indent="-285750">
+              <a:buFont typeface="Wingdings" pitchFamily="2" charset="2"/>
+              <a:buChar char="à"/>
+            </a:pPr>
+            <a:r>
+              <a:rPr lang="en-GB" dirty="0" err="1">
+                <a:sym typeface="Wingdings" pitchFamily="2" charset="2"/>
+              </a:rPr>
+              <a:t>calc_avg</a:t>
+            </a:r>
+            <a:r>
+              <a:rPr lang="en-GB" dirty="0">
+                <a:sym typeface="Wingdings" pitchFamily="2" charset="2"/>
+              </a:rPr>
+              <a:t>(){…}</a:t>
+            </a:r>
+            <a:br>
+              <a:rPr lang="en-GB" dirty="0"/>
+            </a:br>
+            <a:endParaRPr lang="en-GB" dirty="0"/>
+          </a:p>
+          <a:p>
+            <a:r>
+              <a:rPr lang="en-GB" dirty="0">
+                <a:sym typeface="Wingdings" pitchFamily="2" charset="2"/>
+              </a:rPr>
+              <a:t></a:t>
+            </a:r>
+            <a:r>
+              <a:rPr lang="en-GB" dirty="0"/>
+              <a:t>“average of flight per month”</a:t>
+            </a:r>
+          </a:p>
+          <a:p>
+            <a:r>
+              <a:rPr lang="en-GB" dirty="0"/>
+              <a:t>ds |&gt; </a:t>
+            </a:r>
+            <a:r>
+              <a:rPr lang="en-GB" dirty="0" err="1"/>
+              <a:t>group_by</a:t>
+            </a:r>
+            <a:r>
+              <a:rPr lang="en-GB" dirty="0"/>
+              <a:t>(MONTH) |&gt; mean(FLIGHTS)</a:t>
+            </a:r>
+            <a:br>
+              <a:rPr lang="en-GB" dirty="0"/>
+            </a:br>
+            <a:r>
+              <a:rPr lang="en-GB" dirty="0"/>
+              <a:t>ds |&gt; </a:t>
+            </a:r>
+            <a:r>
+              <a:rPr lang="en-GB" dirty="0" err="1"/>
+              <a:t>calc_avg_month</a:t>
+            </a:r>
+            <a:r>
+              <a:rPr lang="en-GB" dirty="0"/>
+              <a:t>()</a:t>
+            </a:r>
+          </a:p>
+          <a:p>
+            <a:pPr marL="285750" indent="-285750">
+              <a:buFont typeface="Wingdings" pitchFamily="2" charset="2"/>
+              <a:buChar char="à"/>
+            </a:pPr>
+            <a:endParaRPr lang="en-GB" dirty="0"/>
+          </a:p>
+          <a:p>
+            <a:r>
+              <a:rPr lang="en-GB" dirty="0"/>
+              <a:t>“calculation” (average) over “population” (flights) in a certain time-span (i.) YEAR, ii.) MONTH == </a:t>
+            </a:r>
+            <a:r>
+              <a:rPr lang="en-GB" dirty="0">
+                <a:highlight>
+                  <a:srgbClr val="FFFF00"/>
+                </a:highlight>
+              </a:rPr>
+              <a:t>“time-definition”</a:t>
+            </a:r>
+            <a:r>
+              <a:rPr lang="en-GB" dirty="0"/>
+              <a:t>)</a:t>
+            </a:r>
+          </a:p>
+          <a:p>
+            <a:endParaRPr lang="en-GB" dirty="0"/>
+          </a:p>
+          <a:p>
+            <a:r>
+              <a:rPr lang="en-GB" dirty="0"/>
+              <a:t>ds |&gt; </a:t>
+            </a:r>
+            <a:r>
+              <a:rPr lang="en-GB" dirty="0" err="1"/>
+              <a:t>ds_with_timeframe</a:t>
+            </a:r>
+            <a:r>
+              <a:rPr lang="en-GB" dirty="0"/>
+              <a:t>  |&gt; </a:t>
+            </a:r>
+            <a:r>
+              <a:rPr lang="en-GB" dirty="0" err="1"/>
+              <a:t>calc_avg_general</a:t>
+            </a:r>
+            <a:r>
+              <a:rPr lang="en-GB" dirty="0"/>
+              <a:t>()</a:t>
+            </a:r>
+          </a:p>
+          <a:p>
+            <a:endParaRPr lang="en-GB" dirty="0"/>
+          </a:p>
+        </p:txBody>
+      </p:sp>
+    </p:spTree>
+    <p:extLst>
+      <p:ext uri="{BB962C8B-B14F-4D97-AF65-F5344CB8AC3E}">
+        <p14:creationId xmlns:p14="http://schemas.microsoft.com/office/powerpoint/2010/main" val="1917357429"/>
+      </p:ext>
+    </p:extLst>
+  </p:cSld>
+  <p:clrMapOvr>
+    <a:masterClrMapping/>
+  </p:clrMapOvr>
+</p:sld>
+</file>
+
+<file path=ppt/slides/slide3.xml><?xml version="1.0" encoding="utf-8"?>
+<p:sld xmlns:a="http://schemas.openxmlformats.org/drawingml/2006/main" xmlns:r="http://schemas.openxmlformats.org/officeDocument/2006/relationships" xmlns:p="http://schemas.openxmlformats.org/presentationml/2006/main">
+  <p:cSld>
+    <p:spTree>
+      <p:nvGrpSpPr>
+        <p:cNvPr id="1" name=""/>
+        <p:cNvGrpSpPr/>
+        <p:nvPr/>
+      </p:nvGrpSpPr>
+      <p:grpSpPr>
+        <a:xfrm>
+          <a:off x="0" y="0"/>
+          <a:ext cx="0" cy="0"/>
+          <a:chOff x="0" y="0"/>
+          <a:chExt cx="0" cy="0"/>
+        </a:xfrm>
+      </p:grpSpPr>
+      <p:sp>
+        <p:nvSpPr>
+          <p:cNvPr id="2" name="Can 1">
+            <a:extLst>
+              <a:ext uri="{FF2B5EF4-FFF2-40B4-BE49-F238E27FC236}">
+                <a16:creationId xmlns:a16="http://schemas.microsoft.com/office/drawing/2014/main" id="{38379E9F-F538-B77D-9377-3A8487BCD456}"/>
+              </a:ext>
+            </a:extLst>
+          </p:cNvPr>
+          <p:cNvSpPr/>
+          <p:nvPr/>
+        </p:nvSpPr>
+        <p:spPr>
+          <a:xfrm>
+            <a:off x="637953" y="1052623"/>
+            <a:ext cx="1116419" cy="1477926"/>
+          </a:xfrm>
+          <a:prstGeom prst="can">
+            <a:avLst/>
+          </a:prstGeom>
+        </p:spPr>
+        <p:style>
+          <a:lnRef idx="2">
+            <a:schemeClr val="accent1">
+              <a:shade val="15000"/>
+            </a:schemeClr>
+          </a:lnRef>
+          <a:fillRef idx="1">
+            <a:schemeClr val="accent1"/>
+          </a:fillRef>
+          <a:effectRef idx="0">
+            <a:schemeClr val="accent1"/>
+          </a:effectRef>
+          <a:fontRef idx="minor">
+            <a:schemeClr val="lt1"/>
+          </a:fontRef>
+        </p:style>
+        <p:txBody>
+          <a:bodyPr rtlCol="0" anchor="ctr"/>
+          <a:lstStyle/>
+          <a:p>
+            <a:pPr algn="ctr"/>
+            <a:endParaRPr lang="en-GB"/>
+          </a:p>
+        </p:txBody>
+      </p:sp>
+      <p:sp>
+        <p:nvSpPr>
+          <p:cNvPr id="3" name="Rounded Rectangle 2">
+            <a:extLst>
+              <a:ext uri="{FF2B5EF4-FFF2-40B4-BE49-F238E27FC236}">
+                <a16:creationId xmlns:a16="http://schemas.microsoft.com/office/drawing/2014/main" id="{6F29A777-525F-84D3-695A-CBF3252693AE}"/>
+              </a:ext>
+            </a:extLst>
+          </p:cNvPr>
+          <p:cNvSpPr/>
+          <p:nvPr/>
+        </p:nvSpPr>
+        <p:spPr>
+          <a:xfrm>
+            <a:off x="2108792" y="2241652"/>
+            <a:ext cx="1658679" cy="1371600"/>
+          </a:xfrm>
+          <a:prstGeom prst="roundRect">
+            <a:avLst/>
+          </a:prstGeom>
+        </p:spPr>
+        <p:style>
+          <a:lnRef idx="2">
+            <a:schemeClr val="accent1">
+              <a:shade val="15000"/>
+            </a:schemeClr>
+          </a:lnRef>
+          <a:fillRef idx="1">
+            <a:schemeClr val="accent1"/>
+          </a:fillRef>
+          <a:effectRef idx="0">
+            <a:schemeClr val="accent1"/>
+          </a:effectRef>
+          <a:fontRef idx="minor">
+            <a:schemeClr val="lt1"/>
+          </a:fontRef>
+        </p:style>
+        <p:txBody>
+          <a:bodyPr rtlCol="0" anchor="ctr"/>
+          <a:lstStyle/>
+          <a:p>
+            <a:pPr algn="ctr"/>
+            <a:r>
+              <a:rPr lang="en-GB" dirty="0"/>
+              <a:t>Source data</a:t>
+            </a:r>
+          </a:p>
+        </p:txBody>
+      </p:sp>
+      <p:sp>
+        <p:nvSpPr>
+          <p:cNvPr id="4" name="Rounded Rectangle 3">
+            <a:extLst>
+              <a:ext uri="{FF2B5EF4-FFF2-40B4-BE49-F238E27FC236}">
+                <a16:creationId xmlns:a16="http://schemas.microsoft.com/office/drawing/2014/main" id="{ABF240D9-28AD-9E7B-5508-C6F643580196}"/>
+              </a:ext>
+            </a:extLst>
+          </p:cNvPr>
+          <p:cNvSpPr/>
+          <p:nvPr/>
+        </p:nvSpPr>
+        <p:spPr>
+          <a:xfrm>
+            <a:off x="4469218" y="2231020"/>
+            <a:ext cx="1658679" cy="1371600"/>
+          </a:xfrm>
+          <a:prstGeom prst="roundRect">
+            <a:avLst/>
+          </a:prstGeom>
+        </p:spPr>
+        <p:style>
+          <a:lnRef idx="2">
+            <a:schemeClr val="accent1">
+              <a:shade val="15000"/>
+            </a:schemeClr>
+          </a:lnRef>
+          <a:fillRef idx="1">
+            <a:schemeClr val="accent1"/>
+          </a:fillRef>
+          <a:effectRef idx="0">
+            <a:schemeClr val="accent1"/>
+          </a:effectRef>
+          <a:fontRef idx="minor">
+            <a:schemeClr val="lt1"/>
+          </a:fontRef>
+        </p:style>
+        <p:txBody>
+          <a:bodyPr rtlCol="0" anchor="ctr"/>
+          <a:lstStyle/>
+          <a:p>
+            <a:pPr algn="ctr"/>
+            <a:r>
+              <a:rPr lang="en-GB" dirty="0"/>
+              <a:t>analytic data</a:t>
+            </a:r>
+          </a:p>
+        </p:txBody>
+      </p:sp>
+      <p:sp>
+        <p:nvSpPr>
+          <p:cNvPr id="6" name="Pentagon 5">
+            <a:extLst>
+              <a:ext uri="{FF2B5EF4-FFF2-40B4-BE49-F238E27FC236}">
+                <a16:creationId xmlns:a16="http://schemas.microsoft.com/office/drawing/2014/main" id="{CA5BC1BA-CB41-6850-1FFD-D8D60BE40BFD}"/>
+              </a:ext>
+            </a:extLst>
+          </p:cNvPr>
+          <p:cNvSpPr/>
+          <p:nvPr/>
+        </p:nvSpPr>
+        <p:spPr>
+          <a:xfrm>
+            <a:off x="7024578" y="2241652"/>
+            <a:ext cx="2108791" cy="1371600"/>
+          </a:xfrm>
+          <a:prstGeom prst="homePlate">
+            <a:avLst/>
+          </a:prstGeom>
+        </p:spPr>
+        <p:style>
+          <a:lnRef idx="2">
+            <a:schemeClr val="accent1">
+              <a:shade val="15000"/>
+            </a:schemeClr>
+          </a:lnRef>
+          <a:fillRef idx="1">
+            <a:schemeClr val="accent1"/>
+          </a:fillRef>
+          <a:effectRef idx="0">
+            <a:schemeClr val="accent1"/>
+          </a:effectRef>
+          <a:fontRef idx="minor">
+            <a:schemeClr val="lt1"/>
+          </a:fontRef>
+        </p:style>
+        <p:txBody>
+          <a:bodyPr rtlCol="0" anchor="ctr"/>
+          <a:lstStyle/>
+          <a:p>
+            <a:pPr algn="ctr"/>
+            <a:r>
+              <a:rPr lang="en-GB" dirty="0"/>
+              <a:t>“massage the data”</a:t>
+            </a:r>
+          </a:p>
+          <a:p>
+            <a:pPr algn="ctr"/>
+            <a:r>
+              <a:rPr lang="en-GB" dirty="0"/>
+              <a:t>“output” the data</a:t>
+            </a:r>
+          </a:p>
+        </p:txBody>
+      </p:sp>
+      <p:sp>
+        <p:nvSpPr>
+          <p:cNvPr id="7" name="TextBox 6">
+            <a:extLst>
+              <a:ext uri="{FF2B5EF4-FFF2-40B4-BE49-F238E27FC236}">
+                <a16:creationId xmlns:a16="http://schemas.microsoft.com/office/drawing/2014/main" id="{D9B5A353-7E87-10A1-FCA8-8340A7EC2A78}"/>
+              </a:ext>
+            </a:extLst>
+          </p:cNvPr>
+          <p:cNvSpPr txBox="1"/>
+          <p:nvPr/>
+        </p:nvSpPr>
+        <p:spPr>
+          <a:xfrm>
+            <a:off x="8240233" y="1052623"/>
+            <a:ext cx="1594883" cy="646331"/>
+          </a:xfrm>
+          <a:prstGeom prst="rect">
+            <a:avLst/>
+          </a:prstGeom>
+          <a:noFill/>
+        </p:spPr>
+        <p:txBody>
+          <a:bodyPr wrap="square" rtlCol="0">
+            <a:spAutoFit/>
+          </a:bodyPr>
+          <a:lstStyle/>
+          <a:p>
+            <a:r>
+              <a:rPr lang="en-GB" dirty="0"/>
+              <a:t>Uses monthly breakdown</a:t>
+            </a:r>
+          </a:p>
+        </p:txBody>
+      </p:sp>
+      <p:cxnSp>
+        <p:nvCxnSpPr>
+          <p:cNvPr id="9" name="Elbow Connector 8">
+            <a:extLst>
+              <a:ext uri="{FF2B5EF4-FFF2-40B4-BE49-F238E27FC236}">
+                <a16:creationId xmlns:a16="http://schemas.microsoft.com/office/drawing/2014/main" id="{4410CB8F-DABC-FEC2-4632-1CF09A4F51D3}"/>
+              </a:ext>
+            </a:extLst>
+          </p:cNvPr>
+          <p:cNvCxnSpPr>
+            <a:stCxn id="7" idx="1"/>
+            <a:endCxn id="4" idx="0"/>
+          </p:cNvCxnSpPr>
+          <p:nvPr/>
+        </p:nvCxnSpPr>
+        <p:spPr>
+          <a:xfrm rot="10800000" flipV="1">
+            <a:off x="5298559" y="1375788"/>
+            <a:ext cx="2941675" cy="855231"/>
+          </a:xfrm>
+          <a:prstGeom prst="bentConnector2">
+            <a:avLst/>
+          </a:prstGeom>
+          <a:ln>
+            <a:tailEnd type="triangle"/>
+          </a:ln>
+        </p:spPr>
+        <p:style>
+          <a:lnRef idx="2">
+            <a:schemeClr val="accent1"/>
+          </a:lnRef>
+          <a:fillRef idx="0">
+            <a:schemeClr val="accent1"/>
+          </a:fillRef>
+          <a:effectRef idx="1">
+            <a:schemeClr val="accent1"/>
+          </a:effectRef>
+          <a:fontRef idx="minor">
+            <a:schemeClr val="tx1"/>
+          </a:fontRef>
+        </p:style>
+      </p:cxnSp>
+      <p:sp>
+        <p:nvSpPr>
+          <p:cNvPr id="10" name="Multiply 9">
+            <a:extLst>
+              <a:ext uri="{FF2B5EF4-FFF2-40B4-BE49-F238E27FC236}">
+                <a16:creationId xmlns:a16="http://schemas.microsoft.com/office/drawing/2014/main" id="{88C045A3-EFCB-CFF7-D97B-163BA43E3BC9}"/>
+              </a:ext>
+            </a:extLst>
+          </p:cNvPr>
+          <p:cNvSpPr/>
+          <p:nvPr/>
+        </p:nvSpPr>
+        <p:spPr>
+          <a:xfrm>
+            <a:off x="5893983" y="1114163"/>
+            <a:ext cx="751367" cy="627321"/>
+          </a:xfrm>
+          <a:prstGeom prst="mathMultiply">
+            <a:avLst/>
+          </a:prstGeom>
+          <a:solidFill>
+            <a:srgbClr val="FF0000"/>
+          </a:solidFill>
+        </p:spPr>
+        <p:style>
+          <a:lnRef idx="2">
+            <a:schemeClr val="accent1">
+              <a:shade val="15000"/>
+            </a:schemeClr>
+          </a:lnRef>
+          <a:fillRef idx="1">
+            <a:schemeClr val="accent1"/>
+          </a:fillRef>
+          <a:effectRef idx="0">
+            <a:schemeClr val="accent1"/>
+          </a:effectRef>
+          <a:fontRef idx="minor">
+            <a:schemeClr val="lt1"/>
+          </a:fontRef>
+        </p:style>
+        <p:txBody>
+          <a:bodyPr rtlCol="0" anchor="ctr"/>
+          <a:lstStyle/>
+          <a:p>
+            <a:pPr algn="ctr"/>
+            <a:endParaRPr lang="en-GB"/>
+          </a:p>
+        </p:txBody>
+      </p:sp>
+      <p:cxnSp>
+        <p:nvCxnSpPr>
+          <p:cNvPr id="12" name="Straight Arrow Connector 11">
+            <a:extLst>
+              <a:ext uri="{FF2B5EF4-FFF2-40B4-BE49-F238E27FC236}">
+                <a16:creationId xmlns:a16="http://schemas.microsoft.com/office/drawing/2014/main" id="{17B95BE9-7E60-8265-FAE8-76D1AC104339}"/>
+              </a:ext>
+            </a:extLst>
+          </p:cNvPr>
+          <p:cNvCxnSpPr>
+            <a:stCxn id="7" idx="2"/>
+          </p:cNvCxnSpPr>
+          <p:nvPr/>
+        </p:nvCxnSpPr>
+        <p:spPr>
+          <a:xfrm flipH="1">
+            <a:off x="8268586" y="1698954"/>
+            <a:ext cx="769089" cy="704004"/>
+          </a:xfrm>
+          <a:prstGeom prst="straightConnector1">
+            <a:avLst/>
+          </a:prstGeom>
+          <a:ln w="57150">
+            <a:solidFill>
+              <a:srgbClr val="FF0000"/>
+            </a:solidFill>
+            <a:tailEnd type="triangle"/>
+          </a:ln>
+        </p:spPr>
+        <p:style>
+          <a:lnRef idx="2">
+            <a:schemeClr val="accent1"/>
+          </a:lnRef>
+          <a:fillRef idx="0">
+            <a:schemeClr val="accent1"/>
+          </a:fillRef>
+          <a:effectRef idx="1">
+            <a:schemeClr val="accent1"/>
+          </a:effectRef>
+          <a:fontRef idx="minor">
+            <a:schemeClr val="tx1"/>
+          </a:fontRef>
+        </p:style>
+      </p:cxnSp>
+      <p:sp>
+        <p:nvSpPr>
+          <p:cNvPr id="13" name="TextBox 12">
+            <a:extLst>
+              <a:ext uri="{FF2B5EF4-FFF2-40B4-BE49-F238E27FC236}">
+                <a16:creationId xmlns:a16="http://schemas.microsoft.com/office/drawing/2014/main" id="{3C509CCD-9A83-749C-C3FE-9F1BAEBBCC1E}"/>
+              </a:ext>
+            </a:extLst>
+          </p:cNvPr>
+          <p:cNvSpPr txBox="1"/>
+          <p:nvPr/>
+        </p:nvSpPr>
+        <p:spPr>
+          <a:xfrm>
+            <a:off x="5263117" y="3636335"/>
+            <a:ext cx="1594883" cy="369332"/>
+          </a:xfrm>
+          <a:prstGeom prst="rect">
+            <a:avLst/>
+          </a:prstGeom>
+          <a:noFill/>
+        </p:spPr>
+        <p:txBody>
+          <a:bodyPr wrap="square" rtlCol="0">
+            <a:spAutoFit/>
+          </a:bodyPr>
+          <a:lstStyle/>
+          <a:p>
+            <a:r>
+              <a:rPr lang="en-GB" dirty="0"/>
+              <a:t>month</a:t>
+            </a:r>
+          </a:p>
+        </p:txBody>
+      </p:sp>
+      <p:sp>
+        <p:nvSpPr>
+          <p:cNvPr id="14" name="TextBox 13">
+            <a:extLst>
+              <a:ext uri="{FF2B5EF4-FFF2-40B4-BE49-F238E27FC236}">
+                <a16:creationId xmlns:a16="http://schemas.microsoft.com/office/drawing/2014/main" id="{7AC0D940-BA52-D7A2-2565-B6C3E5073D60}"/>
+              </a:ext>
+            </a:extLst>
+          </p:cNvPr>
+          <p:cNvSpPr txBox="1"/>
+          <p:nvPr/>
+        </p:nvSpPr>
+        <p:spPr>
+          <a:xfrm>
+            <a:off x="9548039" y="4155950"/>
+            <a:ext cx="1594883" cy="369332"/>
+          </a:xfrm>
+          <a:prstGeom prst="rect">
+            <a:avLst/>
+          </a:prstGeom>
+          <a:noFill/>
+        </p:spPr>
+        <p:txBody>
+          <a:bodyPr wrap="square" rtlCol="0">
+            <a:spAutoFit/>
+          </a:bodyPr>
+          <a:lstStyle/>
+          <a:p>
+            <a:r>
+              <a:rPr lang="en-GB" dirty="0"/>
+              <a:t>daily</a:t>
+            </a:r>
+          </a:p>
+        </p:txBody>
+      </p:sp>
+      <p:sp>
+        <p:nvSpPr>
+          <p:cNvPr id="16" name="TextBox 15">
+            <a:extLst>
+              <a:ext uri="{FF2B5EF4-FFF2-40B4-BE49-F238E27FC236}">
+                <a16:creationId xmlns:a16="http://schemas.microsoft.com/office/drawing/2014/main" id="{9998F60A-A228-7D61-B62A-95A35A0243EC}"/>
+              </a:ext>
+            </a:extLst>
+          </p:cNvPr>
+          <p:cNvSpPr txBox="1"/>
+          <p:nvPr/>
+        </p:nvSpPr>
+        <p:spPr>
+          <a:xfrm>
+            <a:off x="4501117" y="4340616"/>
+            <a:ext cx="1594883" cy="2031325"/>
+          </a:xfrm>
+          <a:prstGeom prst="rect">
+            <a:avLst/>
+          </a:prstGeom>
+          <a:noFill/>
+        </p:spPr>
+        <p:txBody>
+          <a:bodyPr wrap="square" rtlCol="0">
+            <a:spAutoFit/>
+          </a:bodyPr>
+          <a:lstStyle/>
+          <a:p>
+            <a:r>
+              <a:rPr lang="en-GB" dirty="0"/>
+              <a:t>“general as possible”</a:t>
+            </a:r>
+          </a:p>
+          <a:p>
+            <a:endParaRPr lang="en-GB" dirty="0"/>
+          </a:p>
+          <a:p>
+            <a:r>
+              <a:rPr lang="en-GB" dirty="0"/>
+              <a:t>Push “preparatory action” into “massaging”</a:t>
+            </a:r>
+          </a:p>
+        </p:txBody>
+      </p:sp>
+      <p:cxnSp>
+        <p:nvCxnSpPr>
+          <p:cNvPr id="21" name="Straight Connector 20">
+            <a:extLst>
+              <a:ext uri="{FF2B5EF4-FFF2-40B4-BE49-F238E27FC236}">
+                <a16:creationId xmlns:a16="http://schemas.microsoft.com/office/drawing/2014/main" id="{6E20D97B-BF2E-961B-BA4B-9EB3924DAFE0}"/>
+              </a:ext>
+            </a:extLst>
+          </p:cNvPr>
+          <p:cNvCxnSpPr/>
+          <p:nvPr/>
+        </p:nvCxnSpPr>
+        <p:spPr>
+          <a:xfrm>
+            <a:off x="3944681" y="669851"/>
+            <a:ext cx="0" cy="4997302"/>
+          </a:xfrm>
+          <a:prstGeom prst="line">
+            <a:avLst/>
+          </a:prstGeom>
+        </p:spPr>
+        <p:style>
+          <a:lnRef idx="2">
+            <a:schemeClr val="accent1"/>
+          </a:lnRef>
+          <a:fillRef idx="0">
+            <a:schemeClr val="accent1"/>
+          </a:fillRef>
+          <a:effectRef idx="1">
+            <a:schemeClr val="accent1"/>
+          </a:effectRef>
+          <a:fontRef idx="minor">
+            <a:schemeClr val="tx1"/>
+          </a:fontRef>
+        </p:style>
+      </p:cxnSp>
+    </p:spTree>
+    <p:extLst>
+      <p:ext uri="{BB962C8B-B14F-4D97-AF65-F5344CB8AC3E}">
+        <p14:creationId xmlns:p14="http://schemas.microsoft.com/office/powerpoint/2010/main" val="1889718919"/>
+      </p:ext>
+    </p:extLst>
+  </p:cSld>
+  <p:clrMapOvr>
+    <a:masterClrMapping/>
+  </p:clrMapOvr>
+</p:sld>
+</file>
+
+<file path=ppt/slides/slide4.xml><?xml version="1.0" encoding="utf-8"?>
+<p:sld xmlns:a="http://schemas.openxmlformats.org/drawingml/2006/main" xmlns:r="http://schemas.openxmlformats.org/officeDocument/2006/relationships" xmlns:p="http://schemas.openxmlformats.org/presentationml/2006/main">
+  <p:cSld>
+    <p:spTree>
+      <p:nvGrpSpPr>
+        <p:cNvPr id="1" name=""/>
+        <p:cNvGrpSpPr/>
+        <p:nvPr/>
+      </p:nvGrpSpPr>
+      <p:grpSpPr>
+        <a:xfrm>
+          <a:off x="0" y="0"/>
+          <a:ext cx="0" cy="0"/>
+          <a:chOff x="0" y="0"/>
+          <a:chExt cx="0" cy="0"/>
+        </a:xfrm>
+      </p:grpSpPr>
+    </p:spTree>
+    <p:extLst>
+      <p:ext uri="{BB962C8B-B14F-4D97-AF65-F5344CB8AC3E}">
+        <p14:creationId xmlns:p14="http://schemas.microsoft.com/office/powerpoint/2010/main" val="739425696"/>
+      </p:ext>
+    </p:extLst>
+  </p:cSld>
+  <p:clrMapOvr>
+    <a:masterClrMapping/>
+  </p:clrMapOvr>
+</p:sld>
+</file>
+
 <file path=ppt/theme/theme1.xml><?xml version="1.0" encoding="utf-8"?>
 <a:theme xmlns:a="http://schemas.openxmlformats.org/drawingml/2006/main" name="Office Theme">
   <a:themeElements>
